--- a/Documents/20-Knowledge.pptx
+++ b/Documents/20-Knowledge.pptx
@@ -5,14 +5,30 @@
     <p:sldMasterId id="2147483648" r:id="rId1"/>
   </p:sldMasterIdLst>
   <p:notesMasterIdLst>
-    <p:notesMasterId r:id="rId4"/>
+    <p:notesMasterId r:id="rId20"/>
   </p:notesMasterIdLst>
   <p:handoutMasterIdLst>
-    <p:handoutMasterId r:id="rId5"/>
+    <p:handoutMasterId r:id="rId21"/>
   </p:handoutMasterIdLst>
   <p:sldIdLst>
     <p:sldId id="278" r:id="rId2"/>
     <p:sldId id="279" r:id="rId3"/>
+    <p:sldId id="280" r:id="rId4"/>
+    <p:sldId id="281" r:id="rId5"/>
+    <p:sldId id="282" r:id="rId6"/>
+    <p:sldId id="283" r:id="rId7"/>
+    <p:sldId id="284" r:id="rId8"/>
+    <p:sldId id="285" r:id="rId9"/>
+    <p:sldId id="286" r:id="rId10"/>
+    <p:sldId id="287" r:id="rId11"/>
+    <p:sldId id="288" r:id="rId12"/>
+    <p:sldId id="289" r:id="rId13"/>
+    <p:sldId id="290" r:id="rId14"/>
+    <p:sldId id="291" r:id="rId15"/>
+    <p:sldId id="292" r:id="rId16"/>
+    <p:sldId id="293" r:id="rId17"/>
+    <p:sldId id="294" r:id="rId18"/>
+    <p:sldId id="295" r:id="rId19"/>
   </p:sldIdLst>
   <p:sldSz cx="9144000" cy="6858000" type="screen4x3"/>
   <p:notesSz cx="6858000" cy="9144000"/>
@@ -198,7 +214,7 @@
             <a:fld id="{D83FDC75-7F73-4A4A-A77C-09AADF00E0EA}" type="datetimeFigureOut">
               <a:rPr lang="en-US" smtClean="0"/>
               <a:pPr/>
-              <a:t>5/6/18</a:t>
+              <a:t>5/11/18</a:t>
             </a:fld>
             <a:endParaRPr lang="en-US" dirty="0"/>
           </a:p>
@@ -365,7 +381,7 @@
             <a:fld id="{48AEF76B-3757-4A0B-AF93-28494465C1DD}" type="datetimeFigureOut">
               <a:rPr lang="en-US" smtClean="0"/>
               <a:pPr/>
-              <a:t>5/6/18</a:t>
+              <a:t>5/11/18</a:t>
             </a:fld>
             <a:endParaRPr lang="en-US" dirty="0"/>
           </a:p>
@@ -1253,7 +1269,7 @@
             <a:fld id="{757B281C-5159-4971-8228-52B9A72E9ED2}" type="datetimeFigureOut">
               <a:rPr lang="en-US" smtClean="0"/>
               <a:pPr/>
-              <a:t>5/6/18</a:t>
+              <a:t>5/11/18</a:t>
             </a:fld>
             <a:endParaRPr lang="en-US" dirty="0"/>
           </a:p>
@@ -1355,7 +1371,7 @@
             <a:fld id="{757B281C-5159-4971-8228-52B9A72E9ED2}" type="datetimeFigureOut">
               <a:rPr lang="en-US" smtClean="0"/>
               <a:pPr/>
-              <a:t>5/6/18</a:t>
+              <a:t>5/11/18</a:t>
             </a:fld>
             <a:endParaRPr lang="en-US" dirty="0"/>
           </a:p>
@@ -1491,7 +1507,7 @@
             <a:fld id="{757B281C-5159-4971-8228-52B9A72E9ED2}" type="datetimeFigureOut">
               <a:rPr lang="en-US" smtClean="0"/>
               <a:pPr/>
-              <a:t>5/6/18</a:t>
+              <a:t>5/11/18</a:t>
             </a:fld>
             <a:endParaRPr lang="en-US" dirty="0"/>
           </a:p>
@@ -1697,7 +1713,7 @@
             <a:fld id="{757B281C-5159-4971-8228-52B9A72E9ED2}" type="datetimeFigureOut">
               <a:rPr lang="en-US" smtClean="0"/>
               <a:pPr/>
-              <a:t>5/6/18</a:t>
+              <a:t>5/11/18</a:t>
             </a:fld>
             <a:endParaRPr lang="en-US" dirty="0"/>
           </a:p>
@@ -2077,7 +2093,7 @@
             <a:fld id="{757B281C-5159-4971-8228-52B9A72E9ED2}" type="datetimeFigureOut">
               <a:rPr lang="en-US" smtClean="0"/>
               <a:pPr/>
-              <a:t>5/6/18</a:t>
+              <a:t>5/11/18</a:t>
             </a:fld>
             <a:endParaRPr lang="en-US" dirty="0"/>
           </a:p>
@@ -2377,7 +2393,7 @@
             <a:fld id="{757B281C-5159-4971-8228-52B9A72E9ED2}" type="datetimeFigureOut">
               <a:rPr lang="en-US" smtClean="0"/>
               <a:pPr/>
-              <a:t>5/6/18</a:t>
+              <a:t>5/11/18</a:t>
             </a:fld>
             <a:endParaRPr lang="en-US" dirty="0"/>
           </a:p>
@@ -2806,7 +2822,7 @@
             <a:fld id="{757B281C-5159-4971-8228-52B9A72E9ED2}" type="datetimeFigureOut">
               <a:rPr lang="en-US" smtClean="0"/>
               <a:pPr/>
-              <a:t>5/6/18</a:t>
+              <a:t>5/11/18</a:t>
             </a:fld>
             <a:endParaRPr lang="en-US" dirty="0"/>
           </a:p>
@@ -3083,7 +3099,7 @@
             <a:fld id="{757B281C-5159-4971-8228-52B9A72E9ED2}" type="datetimeFigureOut">
               <a:rPr lang="en-US" smtClean="0"/>
               <a:pPr/>
-              <a:t>5/6/18</a:t>
+              <a:t>5/11/18</a:t>
             </a:fld>
             <a:endParaRPr lang="en-US" dirty="0"/>
           </a:p>
@@ -3347,7 +3363,7 @@
             <a:fld id="{757B281C-5159-4971-8228-52B9A72E9ED2}" type="datetimeFigureOut">
               <a:rPr lang="en-US" smtClean="0"/>
               <a:pPr/>
-              <a:t>5/6/18</a:t>
+              <a:t>5/11/18</a:t>
             </a:fld>
             <a:endParaRPr lang="en-US" dirty="0"/>
           </a:p>
@@ -3517,7 +3533,7 @@
             <a:fld id="{757B281C-5159-4971-8228-52B9A72E9ED2}" type="datetimeFigureOut">
               <a:rPr lang="en-US" smtClean="0"/>
               <a:pPr/>
-              <a:t>5/6/18</a:t>
+              <a:t>5/11/18</a:t>
             </a:fld>
             <a:endParaRPr lang="en-US" dirty="0"/>
           </a:p>
@@ -3697,7 +3713,7 @@
             <a:fld id="{757B281C-5159-4971-8228-52B9A72E9ED2}" type="datetimeFigureOut">
               <a:rPr lang="en-US" smtClean="0"/>
               <a:pPr/>
-              <a:t>5/6/18</a:t>
+              <a:t>5/11/18</a:t>
             </a:fld>
             <a:endParaRPr lang="en-US" dirty="0"/>
           </a:p>
@@ -3939,7 +3955,7 @@
             <a:fld id="{757B281C-5159-4971-8228-52B9A72E9ED2}" type="datetimeFigureOut">
               <a:rPr lang="en-US" smtClean="0"/>
               <a:pPr/>
-              <a:t>5/6/18</a:t>
+              <a:t>5/11/18</a:t>
             </a:fld>
             <a:endParaRPr lang="en-US" dirty="0"/>
           </a:p>
@@ -4383,7 +4399,6 @@
               <a:rPr lang="en-US" dirty="0" smtClean="0"/>
               <a:t>epresentation</a:t>
             </a:r>
-            <a:endParaRPr lang="en-US" dirty="0" smtClean="0"/>
           </a:p>
         </p:txBody>
       </p:sp>
@@ -4400,17 +4415,56 @@
         <p:spPr/>
         <p:txBody>
           <a:bodyPr>
-            <a:normAutofit/>
+            <a:normAutofit lnSpcReduction="10000"/>
           </a:bodyPr>
           <a:lstStyle/>
           <a:p>
-            <a:r>
-              <a:rPr lang="en-US" dirty="0" smtClean="0"/>
-              <a:t>Store facts</a:t>
+            <a:pPr marL="457200" lvl="1" indent="0">
+              <a:buNone/>
+            </a:pPr>
+            <a:r>
+              <a:rPr lang="en-US" dirty="0"/>
+              <a:t>Take the below question for example, try to infer what day it is:</a:t>
             </a:r>
           </a:p>
           <a:p>
             <a:pPr lvl="1"/>
+            <a:endParaRPr lang="en-US" dirty="0"/>
+          </a:p>
+          <a:p>
+            <a:pPr lvl="1"/>
+            <a:r>
+              <a:rPr lang="en-US" dirty="0"/>
+              <a:t>If I have an AI lecture today, then it is Monday or Wednesday</a:t>
+            </a:r>
+          </a:p>
+          <a:p>
+            <a:pPr lvl="1"/>
+            <a:r>
+              <a:rPr lang="en-US" dirty="0"/>
+              <a:t>It is not Monday</a:t>
+            </a:r>
+          </a:p>
+          <a:p>
+            <a:pPr lvl="1"/>
+            <a:r>
+              <a:rPr lang="en-US" dirty="0"/>
+              <a:t>I have an AI lecture today or I have no class today</a:t>
+            </a:r>
+          </a:p>
+          <a:p>
+            <a:pPr lvl="1"/>
+            <a:r>
+              <a:rPr lang="en-US" dirty="0"/>
+              <a:t>If I have no class today then I am sad</a:t>
+            </a:r>
+          </a:p>
+          <a:p>
+            <a:pPr lvl="1"/>
+            <a:r>
+              <a:rPr lang="en-US" dirty="0"/>
+              <a:t>I am not sad</a:t>
+            </a:r>
             <a:endParaRPr lang="en-US" dirty="0"/>
           </a:p>
         </p:txBody>
@@ -4425,6 +4479,799 @@
   </p:clrMapOvr>
   <p:transition xmlns:p14="http://schemas.microsoft.com/office/powerpoint/2010/main">
     <p:fade/>
+  </p:transition>
+  <p:timing>
+    <p:tnLst>
+      <p:par>
+        <p:cTn xmlns:p14="http://schemas.microsoft.com/office/powerpoint/2010/main" id="1" dur="indefinite" restart="never" nodeType="tmRoot"/>
+      </p:par>
+    </p:tnLst>
+  </p:timing>
+</p:sld>
+</file>
+
+<file path=ppt/slides/slide10.xml><?xml version="1.0" encoding="utf-8"?>
+<p:sld xmlns:a="http://schemas.openxmlformats.org/drawingml/2006/main" xmlns:r="http://schemas.openxmlformats.org/officeDocument/2006/relationships" xmlns:p="http://schemas.openxmlformats.org/presentationml/2006/main">
+  <p:cSld>
+    <p:spTree>
+      <p:nvGrpSpPr>
+        <p:cNvPr id="1" name=""/>
+        <p:cNvGrpSpPr/>
+        <p:nvPr/>
+      </p:nvGrpSpPr>
+      <p:grpSpPr>
+        <a:xfrm>
+          <a:off x="0" y="0"/>
+          <a:ext cx="0" cy="0"/>
+          <a:chOff x="0" y="0"/>
+          <a:chExt cx="0" cy="0"/>
+        </a:xfrm>
+      </p:grpSpPr>
+      <p:sp>
+        <p:nvSpPr>
+          <p:cNvPr id="2" name="Title 1"/>
+          <p:cNvSpPr>
+            <a:spLocks noGrp="1"/>
+          </p:cNvSpPr>
+          <p:nvPr>
+            <p:ph type="title"/>
+          </p:nvPr>
+        </p:nvSpPr>
+        <p:spPr/>
+        <p:txBody>
+          <a:bodyPr/>
+          <a:lstStyle/>
+          <a:p>
+            <a:r>
+              <a:rPr lang="en-US" dirty="0" smtClean="0"/>
+              <a:t>Searching over hypotheses/states</a:t>
+            </a:r>
+            <a:endParaRPr lang="en-US" dirty="0"/>
+          </a:p>
+        </p:txBody>
+      </p:sp>
+      <p:pic>
+        <p:nvPicPr>
+          <p:cNvPr id="4" name="Picture 3"/>
+          <p:cNvPicPr>
+            <a:picLocks noChangeAspect="1"/>
+          </p:cNvPicPr>
+          <p:nvPr/>
+        </p:nvPicPr>
+        <p:blipFill>
+          <a:blip r:embed="rId2"/>
+          <a:stretch>
+            <a:fillRect/>
+          </a:stretch>
+        </p:blipFill>
+        <p:spPr>
+          <a:xfrm>
+            <a:off x="1079500" y="1092200"/>
+            <a:ext cx="6985000" cy="4673600"/>
+          </a:xfrm>
+          <a:prstGeom prst="rect">
+            <a:avLst/>
+          </a:prstGeom>
+        </p:spPr>
+      </p:pic>
+    </p:spTree>
+    <p:extLst>
+      <p:ext uri="{BB962C8B-B14F-4D97-AF65-F5344CB8AC3E}">
+        <p14:creationId xmlns:p14="http://schemas.microsoft.com/office/powerpoint/2010/main" val="3568063637"/>
+      </p:ext>
+    </p:extLst>
+  </p:cSld>
+  <p:clrMapOvr>
+    <a:masterClrMapping/>
+  </p:clrMapOvr>
+  <p:transition xmlns:p14="http://schemas.microsoft.com/office/powerpoint/2010/main" spd="slow">
+    <p:wipe dir="d"/>
+  </p:transition>
+  <p:timing>
+    <p:tnLst>
+      <p:par>
+        <p:cTn xmlns:p14="http://schemas.microsoft.com/office/powerpoint/2010/main" id="1" dur="indefinite" restart="never" nodeType="tmRoot"/>
+      </p:par>
+    </p:tnLst>
+  </p:timing>
+</p:sld>
+</file>
+
+<file path=ppt/slides/slide11.xml><?xml version="1.0" encoding="utf-8"?>
+<p:sld xmlns:a="http://schemas.openxmlformats.org/drawingml/2006/main" xmlns:r="http://schemas.openxmlformats.org/officeDocument/2006/relationships" xmlns:p="http://schemas.openxmlformats.org/presentationml/2006/main">
+  <p:cSld>
+    <p:spTree>
+      <p:nvGrpSpPr>
+        <p:cNvPr id="1" name=""/>
+        <p:cNvGrpSpPr/>
+        <p:nvPr/>
+      </p:nvGrpSpPr>
+      <p:grpSpPr>
+        <a:xfrm>
+          <a:off x="0" y="0"/>
+          <a:ext cx="0" cy="0"/>
+          <a:chOff x="0" y="0"/>
+          <a:chExt cx="0" cy="0"/>
+        </a:xfrm>
+      </p:grpSpPr>
+      <p:sp>
+        <p:nvSpPr>
+          <p:cNvPr id="2" name="Title 1"/>
+          <p:cNvSpPr>
+            <a:spLocks noGrp="1"/>
+          </p:cNvSpPr>
+          <p:nvPr>
+            <p:ph type="title"/>
+          </p:nvPr>
+        </p:nvSpPr>
+        <p:spPr/>
+        <p:txBody>
+          <a:bodyPr/>
+          <a:lstStyle/>
+          <a:p>
+            <a:endParaRPr lang="en-US"/>
+          </a:p>
+        </p:txBody>
+      </p:sp>
+      <p:pic>
+        <p:nvPicPr>
+          <p:cNvPr id="4" name="Picture 3"/>
+          <p:cNvPicPr>
+            <a:picLocks noChangeAspect="1"/>
+          </p:cNvPicPr>
+          <p:nvPr/>
+        </p:nvPicPr>
+        <p:blipFill>
+          <a:blip r:embed="rId2"/>
+          <a:stretch>
+            <a:fillRect/>
+          </a:stretch>
+        </p:blipFill>
+        <p:spPr>
+          <a:xfrm>
+            <a:off x="825499" y="901700"/>
+            <a:ext cx="8271667" cy="5575300"/>
+          </a:xfrm>
+          <a:prstGeom prst="rect">
+            <a:avLst/>
+          </a:prstGeom>
+        </p:spPr>
+      </p:pic>
+    </p:spTree>
+    <p:extLst>
+      <p:ext uri="{BB962C8B-B14F-4D97-AF65-F5344CB8AC3E}">
+        <p14:creationId xmlns:p14="http://schemas.microsoft.com/office/powerpoint/2010/main" val="2955820550"/>
+      </p:ext>
+    </p:extLst>
+  </p:cSld>
+  <p:clrMapOvr>
+    <a:masterClrMapping/>
+  </p:clrMapOvr>
+  <p:transition xmlns:p14="http://schemas.microsoft.com/office/powerpoint/2010/main" spd="slow">
+    <p:wipe dir="d"/>
+  </p:transition>
+  <p:timing>
+    <p:tnLst>
+      <p:par>
+        <p:cTn xmlns:p14="http://schemas.microsoft.com/office/powerpoint/2010/main" id="1" dur="indefinite" restart="never" nodeType="tmRoot"/>
+      </p:par>
+    </p:tnLst>
+  </p:timing>
+</p:sld>
+</file>
+
+<file path=ppt/slides/slide12.xml><?xml version="1.0" encoding="utf-8"?>
+<p:sld xmlns:a="http://schemas.openxmlformats.org/drawingml/2006/main" xmlns:r="http://schemas.openxmlformats.org/officeDocument/2006/relationships" xmlns:p="http://schemas.openxmlformats.org/presentationml/2006/main">
+  <p:cSld>
+    <p:spTree>
+      <p:nvGrpSpPr>
+        <p:cNvPr id="1" name=""/>
+        <p:cNvGrpSpPr/>
+        <p:nvPr/>
+      </p:nvGrpSpPr>
+      <p:grpSpPr>
+        <a:xfrm>
+          <a:off x="0" y="0"/>
+          <a:ext cx="0" cy="0"/>
+          <a:chOff x="0" y="0"/>
+          <a:chExt cx="0" cy="0"/>
+        </a:xfrm>
+      </p:grpSpPr>
+      <p:sp>
+        <p:nvSpPr>
+          <p:cNvPr id="2" name="Title 1"/>
+          <p:cNvSpPr>
+            <a:spLocks noGrp="1"/>
+          </p:cNvSpPr>
+          <p:nvPr>
+            <p:ph type="title"/>
+          </p:nvPr>
+        </p:nvSpPr>
+        <p:spPr/>
+        <p:txBody>
+          <a:bodyPr/>
+          <a:lstStyle/>
+          <a:p>
+            <a:endParaRPr lang="en-US"/>
+          </a:p>
+        </p:txBody>
+      </p:sp>
+      <p:pic>
+        <p:nvPicPr>
+          <p:cNvPr id="4" name="Picture 3"/>
+          <p:cNvPicPr>
+            <a:picLocks noChangeAspect="1"/>
+          </p:cNvPicPr>
+          <p:nvPr/>
+        </p:nvPicPr>
+        <p:blipFill>
+          <a:blip r:embed="rId2"/>
+          <a:stretch>
+            <a:fillRect/>
+          </a:stretch>
+        </p:blipFill>
+        <p:spPr>
+          <a:xfrm>
+            <a:off x="825500" y="901700"/>
+            <a:ext cx="7937500" cy="5350064"/>
+          </a:xfrm>
+          <a:prstGeom prst="rect">
+            <a:avLst/>
+          </a:prstGeom>
+        </p:spPr>
+      </p:pic>
+    </p:spTree>
+    <p:extLst>
+      <p:ext uri="{BB962C8B-B14F-4D97-AF65-F5344CB8AC3E}">
+        <p14:creationId xmlns:p14="http://schemas.microsoft.com/office/powerpoint/2010/main" val="1010806169"/>
+      </p:ext>
+    </p:extLst>
+  </p:cSld>
+  <p:clrMapOvr>
+    <a:masterClrMapping/>
+  </p:clrMapOvr>
+  <p:transition xmlns:p14="http://schemas.microsoft.com/office/powerpoint/2010/main" spd="slow">
+    <p:wipe dir="d"/>
+  </p:transition>
+  <p:timing>
+    <p:tnLst>
+      <p:par>
+        <p:cTn xmlns:p14="http://schemas.microsoft.com/office/powerpoint/2010/main" id="1" dur="indefinite" restart="never" nodeType="tmRoot"/>
+      </p:par>
+    </p:tnLst>
+  </p:timing>
+</p:sld>
+</file>
+
+<file path=ppt/slides/slide13.xml><?xml version="1.0" encoding="utf-8"?>
+<p:sld xmlns:a="http://schemas.openxmlformats.org/drawingml/2006/main" xmlns:r="http://schemas.openxmlformats.org/officeDocument/2006/relationships" xmlns:p="http://schemas.openxmlformats.org/presentationml/2006/main">
+  <p:cSld>
+    <p:spTree>
+      <p:nvGrpSpPr>
+        <p:cNvPr id="1" name=""/>
+        <p:cNvGrpSpPr/>
+        <p:nvPr/>
+      </p:nvGrpSpPr>
+      <p:grpSpPr>
+        <a:xfrm>
+          <a:off x="0" y="0"/>
+          <a:ext cx="0" cy="0"/>
+          <a:chOff x="0" y="0"/>
+          <a:chExt cx="0" cy="0"/>
+        </a:xfrm>
+      </p:grpSpPr>
+      <p:sp>
+        <p:nvSpPr>
+          <p:cNvPr id="2" name="Title 1"/>
+          <p:cNvSpPr>
+            <a:spLocks noGrp="1"/>
+          </p:cNvSpPr>
+          <p:nvPr>
+            <p:ph type="title"/>
+          </p:nvPr>
+        </p:nvSpPr>
+        <p:spPr/>
+        <p:txBody>
+          <a:bodyPr/>
+          <a:lstStyle/>
+          <a:p>
+            <a:endParaRPr lang="en-US"/>
+          </a:p>
+        </p:txBody>
+      </p:sp>
+      <p:pic>
+        <p:nvPicPr>
+          <p:cNvPr id="4" name="Picture 3"/>
+          <p:cNvPicPr>
+            <a:picLocks noChangeAspect="1"/>
+          </p:cNvPicPr>
+          <p:nvPr/>
+        </p:nvPicPr>
+        <p:blipFill>
+          <a:blip r:embed="rId2"/>
+          <a:stretch>
+            <a:fillRect/>
+          </a:stretch>
+        </p:blipFill>
+        <p:spPr>
+          <a:xfrm>
+            <a:off x="698500" y="787400"/>
+            <a:ext cx="7734300" cy="5270500"/>
+          </a:xfrm>
+          <a:prstGeom prst="rect">
+            <a:avLst/>
+          </a:prstGeom>
+        </p:spPr>
+      </p:pic>
+    </p:spTree>
+    <p:extLst>
+      <p:ext uri="{BB962C8B-B14F-4D97-AF65-F5344CB8AC3E}">
+        <p14:creationId xmlns:p14="http://schemas.microsoft.com/office/powerpoint/2010/main" val="2601200994"/>
+      </p:ext>
+    </p:extLst>
+  </p:cSld>
+  <p:clrMapOvr>
+    <a:masterClrMapping/>
+  </p:clrMapOvr>
+  <p:transition xmlns:p14="http://schemas.microsoft.com/office/powerpoint/2010/main" spd="slow">
+    <p:wipe dir="d"/>
+  </p:transition>
+  <p:timing>
+    <p:tnLst>
+      <p:par>
+        <p:cTn xmlns:p14="http://schemas.microsoft.com/office/powerpoint/2010/main" id="1" dur="indefinite" restart="never" nodeType="tmRoot"/>
+      </p:par>
+    </p:tnLst>
+  </p:timing>
+</p:sld>
+</file>
+
+<file path=ppt/slides/slide14.xml><?xml version="1.0" encoding="utf-8"?>
+<p:sld xmlns:a="http://schemas.openxmlformats.org/drawingml/2006/main" xmlns:r="http://schemas.openxmlformats.org/officeDocument/2006/relationships" xmlns:p="http://schemas.openxmlformats.org/presentationml/2006/main">
+  <p:cSld>
+    <p:spTree>
+      <p:nvGrpSpPr>
+        <p:cNvPr id="1" name=""/>
+        <p:cNvGrpSpPr/>
+        <p:nvPr/>
+      </p:nvGrpSpPr>
+      <p:grpSpPr>
+        <a:xfrm>
+          <a:off x="0" y="0"/>
+          <a:ext cx="0" cy="0"/>
+          <a:chOff x="0" y="0"/>
+          <a:chExt cx="0" cy="0"/>
+        </a:xfrm>
+      </p:grpSpPr>
+      <p:sp>
+        <p:nvSpPr>
+          <p:cNvPr id="2" name="Title 1"/>
+          <p:cNvSpPr>
+            <a:spLocks noGrp="1"/>
+          </p:cNvSpPr>
+          <p:nvPr>
+            <p:ph type="title"/>
+          </p:nvPr>
+        </p:nvSpPr>
+        <p:spPr/>
+        <p:txBody>
+          <a:bodyPr/>
+          <a:lstStyle/>
+          <a:p>
+            <a:endParaRPr lang="en-US"/>
+          </a:p>
+        </p:txBody>
+      </p:sp>
+      <p:pic>
+        <p:nvPicPr>
+          <p:cNvPr id="4" name="Picture 3"/>
+          <p:cNvPicPr>
+            <a:picLocks noChangeAspect="1"/>
+          </p:cNvPicPr>
+          <p:nvPr/>
+        </p:nvPicPr>
+        <p:blipFill>
+          <a:blip r:embed="rId2"/>
+          <a:stretch>
+            <a:fillRect/>
+          </a:stretch>
+        </p:blipFill>
+        <p:spPr>
+          <a:xfrm>
+            <a:off x="0" y="381000"/>
+            <a:ext cx="9144000" cy="6096000"/>
+          </a:xfrm>
+          <a:prstGeom prst="rect">
+            <a:avLst/>
+          </a:prstGeom>
+        </p:spPr>
+      </p:pic>
+    </p:spTree>
+    <p:extLst>
+      <p:ext uri="{BB962C8B-B14F-4D97-AF65-F5344CB8AC3E}">
+        <p14:creationId xmlns:p14="http://schemas.microsoft.com/office/powerpoint/2010/main" val="3119232854"/>
+      </p:ext>
+    </p:extLst>
+  </p:cSld>
+  <p:clrMapOvr>
+    <a:masterClrMapping/>
+  </p:clrMapOvr>
+  <p:transition xmlns:p14="http://schemas.microsoft.com/office/powerpoint/2010/main" spd="slow">
+    <p:wipe dir="d"/>
+  </p:transition>
+  <p:timing>
+    <p:tnLst>
+      <p:par>
+        <p:cTn xmlns:p14="http://schemas.microsoft.com/office/powerpoint/2010/main" id="1" dur="indefinite" restart="never" nodeType="tmRoot"/>
+      </p:par>
+    </p:tnLst>
+  </p:timing>
+</p:sld>
+</file>
+
+<file path=ppt/slides/slide15.xml><?xml version="1.0" encoding="utf-8"?>
+<p:sld xmlns:a="http://schemas.openxmlformats.org/drawingml/2006/main" xmlns:r="http://schemas.openxmlformats.org/officeDocument/2006/relationships" xmlns:p="http://schemas.openxmlformats.org/presentationml/2006/main">
+  <p:cSld>
+    <p:spTree>
+      <p:nvGrpSpPr>
+        <p:cNvPr id="1" name=""/>
+        <p:cNvGrpSpPr/>
+        <p:nvPr/>
+      </p:nvGrpSpPr>
+      <p:grpSpPr>
+        <a:xfrm>
+          <a:off x="0" y="0"/>
+          <a:ext cx="0" cy="0"/>
+          <a:chOff x="0" y="0"/>
+          <a:chExt cx="0" cy="0"/>
+        </a:xfrm>
+      </p:grpSpPr>
+      <p:sp>
+        <p:nvSpPr>
+          <p:cNvPr id="2" name="Title 1"/>
+          <p:cNvSpPr>
+            <a:spLocks noGrp="1"/>
+          </p:cNvSpPr>
+          <p:nvPr>
+            <p:ph type="title"/>
+          </p:nvPr>
+        </p:nvSpPr>
+        <p:spPr/>
+        <p:txBody>
+          <a:bodyPr/>
+          <a:lstStyle/>
+          <a:p>
+            <a:endParaRPr lang="en-US"/>
+          </a:p>
+        </p:txBody>
+      </p:sp>
+      <p:pic>
+        <p:nvPicPr>
+          <p:cNvPr id="5" name="Picture 4"/>
+          <p:cNvPicPr>
+            <a:picLocks noChangeAspect="1"/>
+          </p:cNvPicPr>
+          <p:nvPr/>
+        </p:nvPicPr>
+        <p:blipFill>
+          <a:blip r:embed="rId2"/>
+          <a:stretch>
+            <a:fillRect/>
+          </a:stretch>
+        </p:blipFill>
+        <p:spPr>
+          <a:xfrm>
+            <a:off x="0" y="393700"/>
+            <a:ext cx="9144000" cy="6050814"/>
+          </a:xfrm>
+          <a:prstGeom prst="rect">
+            <a:avLst/>
+          </a:prstGeom>
+        </p:spPr>
+      </p:pic>
+    </p:spTree>
+    <p:extLst>
+      <p:ext uri="{BB962C8B-B14F-4D97-AF65-F5344CB8AC3E}">
+        <p14:creationId xmlns:p14="http://schemas.microsoft.com/office/powerpoint/2010/main" val="2990559105"/>
+      </p:ext>
+    </p:extLst>
+  </p:cSld>
+  <p:clrMapOvr>
+    <a:masterClrMapping/>
+  </p:clrMapOvr>
+  <p:transition xmlns:p14="http://schemas.microsoft.com/office/powerpoint/2010/main" spd="slow">
+    <p:wipe dir="d"/>
+  </p:transition>
+  <p:timing>
+    <p:tnLst>
+      <p:par>
+        <p:cTn xmlns:p14="http://schemas.microsoft.com/office/powerpoint/2010/main" id="1" dur="indefinite" restart="never" nodeType="tmRoot"/>
+      </p:par>
+    </p:tnLst>
+  </p:timing>
+</p:sld>
+</file>
+
+<file path=ppt/slides/slide16.xml><?xml version="1.0" encoding="utf-8"?>
+<p:sld xmlns:a="http://schemas.openxmlformats.org/drawingml/2006/main" xmlns:r="http://schemas.openxmlformats.org/officeDocument/2006/relationships" xmlns:p="http://schemas.openxmlformats.org/presentationml/2006/main">
+  <p:cSld>
+    <p:spTree>
+      <p:nvGrpSpPr>
+        <p:cNvPr id="1" name=""/>
+        <p:cNvGrpSpPr/>
+        <p:nvPr/>
+      </p:nvGrpSpPr>
+      <p:grpSpPr>
+        <a:xfrm>
+          <a:off x="0" y="0"/>
+          <a:ext cx="0" cy="0"/>
+          <a:chOff x="0" y="0"/>
+          <a:chExt cx="0" cy="0"/>
+        </a:xfrm>
+      </p:grpSpPr>
+      <p:sp>
+        <p:nvSpPr>
+          <p:cNvPr id="2" name="Title 1"/>
+          <p:cNvSpPr>
+            <a:spLocks noGrp="1"/>
+          </p:cNvSpPr>
+          <p:nvPr>
+            <p:ph type="title"/>
+          </p:nvPr>
+        </p:nvSpPr>
+        <p:spPr/>
+        <p:txBody>
+          <a:bodyPr/>
+          <a:lstStyle/>
+          <a:p>
+            <a:endParaRPr lang="en-US"/>
+          </a:p>
+        </p:txBody>
+      </p:sp>
+      <p:pic>
+        <p:nvPicPr>
+          <p:cNvPr id="4" name="Picture 3"/>
+          <p:cNvPicPr>
+            <a:picLocks noChangeAspect="1"/>
+          </p:cNvPicPr>
+          <p:nvPr/>
+        </p:nvPicPr>
+        <p:blipFill>
+          <a:blip r:embed="rId2"/>
+          <a:stretch>
+            <a:fillRect/>
+          </a:stretch>
+        </p:blipFill>
+        <p:spPr>
+          <a:xfrm>
+            <a:off x="63500" y="431800"/>
+            <a:ext cx="9004300" cy="5981700"/>
+          </a:xfrm>
+          <a:prstGeom prst="rect">
+            <a:avLst/>
+          </a:prstGeom>
+        </p:spPr>
+      </p:pic>
+    </p:spTree>
+    <p:extLst>
+      <p:ext uri="{BB962C8B-B14F-4D97-AF65-F5344CB8AC3E}">
+        <p14:creationId xmlns:p14="http://schemas.microsoft.com/office/powerpoint/2010/main" val="2898231009"/>
+      </p:ext>
+    </p:extLst>
+  </p:cSld>
+  <p:clrMapOvr>
+    <a:masterClrMapping/>
+  </p:clrMapOvr>
+  <p:transition xmlns:p14="http://schemas.microsoft.com/office/powerpoint/2010/main" spd="slow">
+    <p:wipe dir="d"/>
+  </p:transition>
+  <p:timing>
+    <p:tnLst>
+      <p:par>
+        <p:cTn xmlns:p14="http://schemas.microsoft.com/office/powerpoint/2010/main" id="1" dur="indefinite" restart="never" nodeType="tmRoot"/>
+      </p:par>
+    </p:tnLst>
+  </p:timing>
+</p:sld>
+</file>
+
+<file path=ppt/slides/slide17.xml><?xml version="1.0" encoding="utf-8"?>
+<p:sld xmlns:a="http://schemas.openxmlformats.org/drawingml/2006/main" xmlns:r="http://schemas.openxmlformats.org/officeDocument/2006/relationships" xmlns:p="http://schemas.openxmlformats.org/presentationml/2006/main">
+  <p:cSld>
+    <p:spTree>
+      <p:nvGrpSpPr>
+        <p:cNvPr id="1" name=""/>
+        <p:cNvGrpSpPr/>
+        <p:nvPr/>
+      </p:nvGrpSpPr>
+      <p:grpSpPr>
+        <a:xfrm>
+          <a:off x="0" y="0"/>
+          <a:ext cx="0" cy="0"/>
+          <a:chOff x="0" y="0"/>
+          <a:chExt cx="0" cy="0"/>
+        </a:xfrm>
+      </p:grpSpPr>
+      <p:sp>
+        <p:nvSpPr>
+          <p:cNvPr id="2" name="Title 1"/>
+          <p:cNvSpPr>
+            <a:spLocks noGrp="1"/>
+          </p:cNvSpPr>
+          <p:nvPr>
+            <p:ph type="title"/>
+          </p:nvPr>
+        </p:nvSpPr>
+        <p:spPr/>
+        <p:txBody>
+          <a:bodyPr/>
+          <a:lstStyle/>
+          <a:p>
+            <a:endParaRPr lang="en-US"/>
+          </a:p>
+        </p:txBody>
+      </p:sp>
+      <p:pic>
+        <p:nvPicPr>
+          <p:cNvPr id="5" name="Picture 4"/>
+          <p:cNvPicPr>
+            <a:picLocks noChangeAspect="1"/>
+          </p:cNvPicPr>
+          <p:nvPr/>
+        </p:nvPicPr>
+        <p:blipFill>
+          <a:blip r:embed="rId2"/>
+          <a:stretch>
+            <a:fillRect/>
+          </a:stretch>
+        </p:blipFill>
+        <p:spPr>
+          <a:xfrm>
+            <a:off x="660400" y="876300"/>
+            <a:ext cx="8451660" cy="5524500"/>
+          </a:xfrm>
+          <a:prstGeom prst="rect">
+            <a:avLst/>
+          </a:prstGeom>
+        </p:spPr>
+      </p:pic>
+    </p:spTree>
+    <p:extLst>
+      <p:ext uri="{BB962C8B-B14F-4D97-AF65-F5344CB8AC3E}">
+        <p14:creationId xmlns:p14="http://schemas.microsoft.com/office/powerpoint/2010/main" val="4258871256"/>
+      </p:ext>
+    </p:extLst>
+  </p:cSld>
+  <p:clrMapOvr>
+    <a:masterClrMapping/>
+  </p:clrMapOvr>
+  <p:transition xmlns:p14="http://schemas.microsoft.com/office/powerpoint/2010/main" spd="slow">
+    <p:wipe dir="d"/>
+  </p:transition>
+  <p:timing>
+    <p:tnLst>
+      <p:par>
+        <p:cTn xmlns:p14="http://schemas.microsoft.com/office/powerpoint/2010/main" id="1" dur="indefinite" restart="never" nodeType="tmRoot"/>
+      </p:par>
+    </p:tnLst>
+  </p:timing>
+</p:sld>
+</file>
+
+<file path=ppt/slides/slide18.xml><?xml version="1.0" encoding="utf-8"?>
+<p:sld xmlns:a="http://schemas.openxmlformats.org/drawingml/2006/main" xmlns:r="http://schemas.openxmlformats.org/officeDocument/2006/relationships" xmlns:p="http://schemas.openxmlformats.org/presentationml/2006/main">
+  <p:cSld>
+    <p:spTree>
+      <p:nvGrpSpPr>
+        <p:cNvPr id="1" name=""/>
+        <p:cNvGrpSpPr/>
+        <p:nvPr/>
+      </p:nvGrpSpPr>
+      <p:grpSpPr>
+        <a:xfrm>
+          <a:off x="0" y="0"/>
+          <a:ext cx="0" cy="0"/>
+          <a:chOff x="0" y="0"/>
+          <a:chExt cx="0" cy="0"/>
+        </a:xfrm>
+      </p:grpSpPr>
+      <p:sp>
+        <p:nvSpPr>
+          <p:cNvPr id="2" name="Title 1"/>
+          <p:cNvSpPr>
+            <a:spLocks noGrp="1"/>
+          </p:cNvSpPr>
+          <p:nvPr>
+            <p:ph type="title"/>
+          </p:nvPr>
+        </p:nvSpPr>
+        <p:spPr/>
+        <p:txBody>
+          <a:bodyPr/>
+          <a:lstStyle/>
+          <a:p>
+            <a:r>
+              <a:rPr lang="en-US" dirty="0" smtClean="0"/>
+              <a:t>Conclusions	</a:t>
+            </a:r>
+            <a:endParaRPr lang="en-US" dirty="0"/>
+          </a:p>
+        </p:txBody>
+      </p:sp>
+      <p:sp>
+        <p:nvSpPr>
+          <p:cNvPr id="3" name="Content Placeholder 2"/>
+          <p:cNvSpPr>
+            <a:spLocks noGrp="1"/>
+          </p:cNvSpPr>
+          <p:nvPr>
+            <p:ph idx="1"/>
+          </p:nvPr>
+        </p:nvSpPr>
+        <p:spPr/>
+        <p:txBody>
+          <a:bodyPr>
+            <a:normAutofit fontScale="85000" lnSpcReduction="20000"/>
+          </a:bodyPr>
+          <a:lstStyle/>
+          <a:p>
+            <a:r>
+              <a:rPr lang="en-US" dirty="0" smtClean="0"/>
+              <a:t>We can consider many AI problems as state-space search</a:t>
+            </a:r>
+          </a:p>
+          <a:p>
+            <a:r>
+              <a:rPr lang="en-US" dirty="0" smtClean="0"/>
+              <a:t>The state could be discrete or </a:t>
+            </a:r>
+            <a:r>
+              <a:rPr lang="en-US" dirty="0" err="1" smtClean="0"/>
+              <a:t>continious</a:t>
+            </a:r>
+            <a:endParaRPr lang="en-US" dirty="0" smtClean="0"/>
+          </a:p>
+          <a:p>
+            <a:r>
+              <a:rPr lang="en-US" dirty="0" smtClean="0"/>
+              <a:t>AI algorithms are a combination of brute force evaluation, and heuristic pruning.</a:t>
+            </a:r>
+          </a:p>
+          <a:p>
+            <a:r>
+              <a:rPr lang="en-US" dirty="0" smtClean="0"/>
+              <a:t>Because many problems have thousands of paths, even the fastest computers requiring path pruning</a:t>
+            </a:r>
+          </a:p>
+          <a:p>
+            <a:r>
+              <a:rPr lang="en-US" dirty="0" smtClean="0"/>
+              <a:t>Search could be depth-first, breath-first, or a combination</a:t>
+            </a:r>
+          </a:p>
+          <a:p>
+            <a:r>
+              <a:rPr lang="en-US" dirty="0" smtClean="0"/>
+              <a:t>A-Star is the best-known combination of efficient search.</a:t>
+            </a:r>
+          </a:p>
+          <a:p>
+            <a:endParaRPr lang="en-US" dirty="0"/>
+          </a:p>
+        </p:txBody>
+      </p:sp>
+    </p:spTree>
+    <p:extLst>
+      <p:ext uri="{BB962C8B-B14F-4D97-AF65-F5344CB8AC3E}">
+        <p14:creationId xmlns:p14="http://schemas.microsoft.com/office/powerpoint/2010/main" val="1039714437"/>
+      </p:ext>
+    </p:extLst>
+  </p:cSld>
+  <p:clrMapOvr>
+    <a:masterClrMapping/>
+  </p:clrMapOvr>
+  <p:transition xmlns:p14="http://schemas.microsoft.com/office/powerpoint/2010/main" spd="slow">
+    <p:wipe dir="d"/>
   </p:transition>
   <p:timing>
     <p:tnLst>
@@ -4465,35 +5312,54 @@
         </p:nvSpPr>
         <p:spPr/>
         <p:txBody>
+          <a:bodyPr>
+            <a:normAutofit fontScale="90000"/>
+          </a:bodyPr>
+          <a:lstStyle/>
+          <a:p>
+            <a:r>
+              <a:rPr lang="en-US" dirty="0" smtClean="0"/>
+              <a:t>Knowledge Representation and Reasoning</a:t>
+            </a:r>
+            <a:endParaRPr lang="en-US" dirty="0"/>
+          </a:p>
+        </p:txBody>
+      </p:sp>
+      <p:sp>
+        <p:nvSpPr>
+          <p:cNvPr id="3" name="Content Placeholder 2"/>
+          <p:cNvSpPr>
+            <a:spLocks noGrp="1"/>
+          </p:cNvSpPr>
+          <p:nvPr>
+            <p:ph idx="1"/>
+          </p:nvPr>
+        </p:nvSpPr>
+        <p:spPr/>
+        <p:txBody>
           <a:bodyPr/>
           <a:lstStyle/>
           <a:p>
             <a:r>
+              <a:rPr lang="en-US" dirty="0"/>
+              <a:t>Did you manage to work out the day? It’s Wednesday. You took multiple sources of information and </a:t>
+            </a:r>
+            <a:r>
               <a:rPr lang="en-US" dirty="0" smtClean="0"/>
-              <a:t>Reasoning</a:t>
-            </a:r>
+              <a:t>combined </a:t>
+            </a:r>
+            <a:r>
+              <a:rPr lang="en-US" dirty="0"/>
+              <a:t>them to reason that it was Wednesday. That was great, but how would a machine do that?</a:t>
+            </a:r>
+          </a:p>
+          <a:p>
             <a:endParaRPr lang="en-US" dirty="0"/>
           </a:p>
-        </p:txBody>
-      </p:sp>
-      <p:sp>
-        <p:nvSpPr>
-          <p:cNvPr id="3" name="Content Placeholder 2"/>
-          <p:cNvSpPr>
-            <a:spLocks noGrp="1"/>
-          </p:cNvSpPr>
-          <p:nvPr>
-            <p:ph idx="1"/>
-          </p:nvPr>
-        </p:nvSpPr>
-        <p:spPr/>
-        <p:txBody>
-          <a:bodyPr/>
-          <a:lstStyle/>
-          <a:p>
-            <a:r>
-              <a:rPr lang="en-US" dirty="0" smtClean="0"/>
-              <a:t>Infer facts</a:t>
+          <a:p>
+            <a:r>
+              <a:rPr lang="en-US" dirty="0"/>
+              <a:t>This is where KR&amp;R comes in</a:t>
             </a:r>
             <a:endParaRPr lang="en-US" dirty="0"/>
           </a:p>
@@ -4512,6 +5378,788 @@
   <p:transition xmlns:p14="http://schemas.microsoft.com/office/powerpoint/2010/main" spd="slow">
     <p:wipe dir="d"/>
   </p:transition>
+</p:sld>
+</file>
+
+<file path=ppt/slides/slide3.xml><?xml version="1.0" encoding="utf-8"?>
+<p:sld xmlns:a="http://schemas.openxmlformats.org/drawingml/2006/main" xmlns:r="http://schemas.openxmlformats.org/officeDocument/2006/relationships" xmlns:p="http://schemas.openxmlformats.org/presentationml/2006/main">
+  <p:cSld>
+    <p:spTree>
+      <p:nvGrpSpPr>
+        <p:cNvPr id="1" name=""/>
+        <p:cNvGrpSpPr/>
+        <p:nvPr/>
+      </p:nvGrpSpPr>
+      <p:grpSpPr>
+        <a:xfrm>
+          <a:off x="0" y="0"/>
+          <a:ext cx="0" cy="0"/>
+          <a:chOff x="0" y="0"/>
+          <a:chExt cx="0" cy="0"/>
+        </a:xfrm>
+      </p:grpSpPr>
+      <p:sp>
+        <p:nvSpPr>
+          <p:cNvPr id="2" name="Title 1"/>
+          <p:cNvSpPr>
+            <a:spLocks noGrp="1"/>
+          </p:cNvSpPr>
+          <p:nvPr>
+            <p:ph type="title"/>
+          </p:nvPr>
+        </p:nvSpPr>
+        <p:spPr/>
+        <p:txBody>
+          <a:bodyPr/>
+          <a:lstStyle/>
+          <a:p>
+            <a:r>
+              <a:rPr lang="en-US" dirty="0" smtClean="0"/>
+              <a:t>Building knowledge-based agents</a:t>
+            </a:r>
+            <a:endParaRPr lang="en-US" dirty="0"/>
+          </a:p>
+        </p:txBody>
+      </p:sp>
+      <p:sp>
+        <p:nvSpPr>
+          <p:cNvPr id="3" name="Content Placeholder 2"/>
+          <p:cNvSpPr>
+            <a:spLocks noGrp="1"/>
+          </p:cNvSpPr>
+          <p:nvPr>
+            <p:ph idx="1"/>
+          </p:nvPr>
+        </p:nvSpPr>
+        <p:spPr/>
+        <p:txBody>
+          <a:bodyPr>
+            <a:normAutofit fontScale="70000" lnSpcReduction="20000"/>
+          </a:bodyPr>
+          <a:lstStyle/>
+          <a:p>
+            <a:r>
+              <a:rPr lang="en-US" dirty="0"/>
+              <a:t>Declarative approach to building knowledge based agents</a:t>
+            </a:r>
+          </a:p>
+          <a:p>
+            <a:r>
+              <a:rPr lang="en-US" dirty="0"/>
+              <a:t>The declarative way to build a knowledge based agent is to provide the agent with two things:</a:t>
+            </a:r>
+          </a:p>
+          <a:p>
+            <a:endParaRPr lang="en-US" dirty="0"/>
+          </a:p>
+          <a:p>
+            <a:r>
+              <a:rPr lang="en-US" dirty="0"/>
+              <a:t>A knowledge base which contains facts (assertions, propositions) and general knowledge about a domain in a formal language</a:t>
+            </a:r>
+          </a:p>
+          <a:p>
+            <a:r>
+              <a:rPr lang="en-US" dirty="0"/>
+              <a:t>A reasoning engine that produces relevant consequences of the knowledge base.</a:t>
+            </a:r>
+          </a:p>
+          <a:p>
+            <a:r>
+              <a:rPr lang="en-US" dirty="0"/>
+              <a:t>In other words, the agent needs a knowledge base which is a set of facts (Liverpool is in Merseyside, Merseyside is in the UK) and it needs a means to reason and produce relevant consequences of these facts (therefore Liverpool is in the UK).</a:t>
+            </a:r>
+          </a:p>
+        </p:txBody>
+      </p:sp>
+    </p:spTree>
+    <p:extLst>
+      <p:ext uri="{BB962C8B-B14F-4D97-AF65-F5344CB8AC3E}">
+        <p14:creationId xmlns:p14="http://schemas.microsoft.com/office/powerpoint/2010/main" val="1053289499"/>
+      </p:ext>
+    </p:extLst>
+  </p:cSld>
+  <p:clrMapOvr>
+    <a:masterClrMapping/>
+  </p:clrMapOvr>
+  <p:transition xmlns:p14="http://schemas.microsoft.com/office/powerpoint/2010/main" spd="slow">
+    <p:wipe dir="d"/>
+  </p:transition>
+  <p:timing>
+    <p:tnLst>
+      <p:par>
+        <p:cTn xmlns:p14="http://schemas.microsoft.com/office/powerpoint/2010/main" id="1" dur="indefinite" restart="never" nodeType="tmRoot"/>
+      </p:par>
+    </p:tnLst>
+  </p:timing>
+</p:sld>
+</file>
+
+<file path=ppt/slides/slide4.xml><?xml version="1.0" encoding="utf-8"?>
+<p:sld xmlns:a="http://schemas.openxmlformats.org/drawingml/2006/main" xmlns:r="http://schemas.openxmlformats.org/officeDocument/2006/relationships" xmlns:p="http://schemas.openxmlformats.org/presentationml/2006/main">
+  <p:cSld>
+    <p:spTree>
+      <p:nvGrpSpPr>
+        <p:cNvPr id="1" name=""/>
+        <p:cNvGrpSpPr/>
+        <p:nvPr/>
+      </p:nvGrpSpPr>
+      <p:grpSpPr>
+        <a:xfrm>
+          <a:off x="0" y="0"/>
+          <a:ext cx="0" cy="0"/>
+          <a:chOff x="0" y="0"/>
+          <a:chExt cx="0" cy="0"/>
+        </a:xfrm>
+      </p:grpSpPr>
+      <p:sp>
+        <p:nvSpPr>
+          <p:cNvPr id="2" name="Title 1"/>
+          <p:cNvSpPr>
+            <a:spLocks noGrp="1"/>
+          </p:cNvSpPr>
+          <p:nvPr>
+            <p:ph type="title"/>
+          </p:nvPr>
+        </p:nvSpPr>
+        <p:spPr/>
+        <p:txBody>
+          <a:bodyPr/>
+          <a:lstStyle/>
+          <a:p>
+            <a:r>
+              <a:rPr lang="en-US" dirty="0" smtClean="0"/>
+              <a:t>“Reasoning” is often search</a:t>
+            </a:r>
+            <a:endParaRPr lang="en-US" dirty="0"/>
+          </a:p>
+        </p:txBody>
+      </p:sp>
+      <p:sp>
+        <p:nvSpPr>
+          <p:cNvPr id="3" name="Content Placeholder 2"/>
+          <p:cNvSpPr>
+            <a:spLocks noGrp="1"/>
+          </p:cNvSpPr>
+          <p:nvPr>
+            <p:ph idx="1"/>
+          </p:nvPr>
+        </p:nvSpPr>
+        <p:spPr/>
+        <p:txBody>
+          <a:bodyPr/>
+          <a:lstStyle/>
+          <a:p>
+            <a:r>
+              <a:rPr lang="en-US" dirty="0" smtClean="0"/>
+              <a:t>In the earlier example, we could search over the known days of the week</a:t>
+            </a:r>
+          </a:p>
+          <a:p>
+            <a:pPr lvl="1"/>
+            <a:r>
+              <a:rPr lang="en-US" dirty="0" smtClean="0"/>
+              <a:t>Consider each one a hypothesis</a:t>
+            </a:r>
+          </a:p>
+          <a:p>
+            <a:r>
+              <a:rPr lang="en-US" dirty="0" smtClean="0"/>
+              <a:t>For each day, we could evaluate the conditions, and see if they are all true</a:t>
+            </a:r>
+          </a:p>
+          <a:p>
+            <a:r>
+              <a:rPr lang="en-US" dirty="0" smtClean="0"/>
+              <a:t>If not move on to the next day.</a:t>
+            </a:r>
+          </a:p>
+          <a:p>
+            <a:r>
+              <a:rPr lang="en-US" dirty="0" smtClean="0"/>
+              <a:t>The result is the list of valid hypotheses</a:t>
+            </a:r>
+            <a:endParaRPr lang="en-US" dirty="0"/>
+          </a:p>
+        </p:txBody>
+      </p:sp>
+    </p:spTree>
+    <p:extLst>
+      <p:ext uri="{BB962C8B-B14F-4D97-AF65-F5344CB8AC3E}">
+        <p14:creationId xmlns:p14="http://schemas.microsoft.com/office/powerpoint/2010/main" val="150159306"/>
+      </p:ext>
+    </p:extLst>
+  </p:cSld>
+  <p:clrMapOvr>
+    <a:masterClrMapping/>
+  </p:clrMapOvr>
+  <p:transition xmlns:p14="http://schemas.microsoft.com/office/powerpoint/2010/main" spd="slow">
+    <p:wipe dir="d"/>
+  </p:transition>
+  <p:timing>
+    <p:tnLst>
+      <p:par>
+        <p:cTn xmlns:p14="http://schemas.microsoft.com/office/powerpoint/2010/main" id="1" dur="indefinite" restart="never" nodeType="tmRoot"/>
+      </p:par>
+    </p:tnLst>
+  </p:timing>
+</p:sld>
+</file>
+
+<file path=ppt/slides/slide5.xml><?xml version="1.0" encoding="utf-8"?>
+<p:sld xmlns:a="http://schemas.openxmlformats.org/drawingml/2006/main" xmlns:r="http://schemas.openxmlformats.org/officeDocument/2006/relationships" xmlns:p="http://schemas.openxmlformats.org/presentationml/2006/main">
+  <p:cSld>
+    <p:spTree>
+      <p:nvGrpSpPr>
+        <p:cNvPr id="1" name=""/>
+        <p:cNvGrpSpPr/>
+        <p:nvPr/>
+      </p:nvGrpSpPr>
+      <p:grpSpPr>
+        <a:xfrm>
+          <a:off x="0" y="0"/>
+          <a:ext cx="0" cy="0"/>
+          <a:chOff x="0" y="0"/>
+          <a:chExt cx="0" cy="0"/>
+        </a:xfrm>
+      </p:grpSpPr>
+      <p:sp>
+        <p:nvSpPr>
+          <p:cNvPr id="2" name="Title 1"/>
+          <p:cNvSpPr>
+            <a:spLocks noGrp="1"/>
+          </p:cNvSpPr>
+          <p:nvPr>
+            <p:ph type="title"/>
+          </p:nvPr>
+        </p:nvSpPr>
+        <p:spPr/>
+        <p:txBody>
+          <a:bodyPr/>
+          <a:lstStyle/>
+          <a:p>
+            <a:r>
+              <a:rPr lang="en-US" dirty="0" smtClean="0"/>
+              <a:t>What is the search space?</a:t>
+            </a:r>
+            <a:endParaRPr lang="en-US" dirty="0"/>
+          </a:p>
+        </p:txBody>
+      </p:sp>
+      <p:sp>
+        <p:nvSpPr>
+          <p:cNvPr id="3" name="Content Placeholder 2"/>
+          <p:cNvSpPr>
+            <a:spLocks noGrp="1"/>
+          </p:cNvSpPr>
+          <p:nvPr>
+            <p:ph idx="1"/>
+          </p:nvPr>
+        </p:nvSpPr>
+        <p:spPr/>
+        <p:txBody>
+          <a:bodyPr>
+            <a:normAutofit fontScale="85000" lnSpcReduction="10000"/>
+          </a:bodyPr>
+          <a:lstStyle/>
+          <a:p>
+            <a:r>
+              <a:rPr lang="en-US" dirty="0" smtClean="0"/>
+              <a:t>In the above example, it is “discrete”</a:t>
+            </a:r>
+            <a:r>
+              <a:rPr lang="en-US" dirty="0"/>
+              <a:t> </a:t>
+            </a:r>
+            <a:r>
+              <a:rPr lang="mr-IN" dirty="0" smtClean="0"/>
+              <a:t>–</a:t>
+            </a:r>
+            <a:r>
+              <a:rPr lang="en-US" dirty="0" smtClean="0"/>
+              <a:t> there are only 7 days in the week</a:t>
+            </a:r>
+          </a:p>
+          <a:p>
+            <a:r>
+              <a:rPr lang="en-US" dirty="0" smtClean="0"/>
+              <a:t>For other problems, it might be “continuous” </a:t>
+            </a:r>
+            <a:r>
+              <a:rPr lang="mr-IN" dirty="0" smtClean="0"/>
+              <a:t>–</a:t>
+            </a:r>
+            <a:r>
+              <a:rPr lang="en-US" dirty="0" smtClean="0"/>
+              <a:t> for instance consider all possible prices you might charge for selling your action figures on eBay:</a:t>
+            </a:r>
+          </a:p>
+          <a:p>
+            <a:pPr lvl="1"/>
+            <a:r>
+              <a:rPr lang="en-US" dirty="0" smtClean="0"/>
+              <a:t>So we might partition the continuous space:</a:t>
+            </a:r>
+          </a:p>
+          <a:p>
+            <a:pPr lvl="1"/>
+            <a:r>
+              <a:rPr lang="en-US" dirty="0" smtClean="0"/>
+              <a:t>$0 to $10 is too low</a:t>
+            </a:r>
+          </a:p>
+          <a:p>
+            <a:pPr lvl="1"/>
+            <a:r>
+              <a:rPr lang="en-US" dirty="0" smtClean="0"/>
+              <a:t>$10 to $45 is low</a:t>
+            </a:r>
+          </a:p>
+          <a:p>
+            <a:pPr lvl="1"/>
+            <a:r>
+              <a:rPr lang="en-US" dirty="0" smtClean="0"/>
+              <a:t>$45 to $90 is reasonable</a:t>
+            </a:r>
+          </a:p>
+          <a:p>
+            <a:pPr lvl="1"/>
+            <a:r>
+              <a:rPr lang="en-US" dirty="0" smtClean="0"/>
+              <a:t>$90 to $1000 is too high</a:t>
+            </a:r>
+          </a:p>
+          <a:p>
+            <a:pPr lvl="1"/>
+            <a:endParaRPr lang="en-US" dirty="0" smtClean="0"/>
+          </a:p>
+        </p:txBody>
+      </p:sp>
+      <p:pic>
+        <p:nvPicPr>
+          <p:cNvPr id="5" name="Picture 4"/>
+          <p:cNvPicPr>
+            <a:picLocks noChangeAspect="1"/>
+          </p:cNvPicPr>
+          <p:nvPr/>
+        </p:nvPicPr>
+        <p:blipFill>
+          <a:blip r:embed="rId2"/>
+          <a:stretch>
+            <a:fillRect/>
+          </a:stretch>
+        </p:blipFill>
+        <p:spPr>
+          <a:xfrm>
+            <a:off x="6400800" y="4137409"/>
+            <a:ext cx="2171700" cy="2720591"/>
+          </a:xfrm>
+          <a:prstGeom prst="rect">
+            <a:avLst/>
+          </a:prstGeom>
+        </p:spPr>
+      </p:pic>
+    </p:spTree>
+    <p:extLst>
+      <p:ext uri="{BB962C8B-B14F-4D97-AF65-F5344CB8AC3E}">
+        <p14:creationId xmlns:p14="http://schemas.microsoft.com/office/powerpoint/2010/main" val="896058436"/>
+      </p:ext>
+    </p:extLst>
+  </p:cSld>
+  <p:clrMapOvr>
+    <a:masterClrMapping/>
+  </p:clrMapOvr>
+  <p:transition xmlns:p14="http://schemas.microsoft.com/office/powerpoint/2010/main" spd="slow">
+    <p:wipe dir="d"/>
+  </p:transition>
+  <p:timing>
+    <p:tnLst>
+      <p:par>
+        <p:cTn xmlns:p14="http://schemas.microsoft.com/office/powerpoint/2010/main" id="1" dur="indefinite" restart="never" nodeType="tmRoot">
+          <p:childTnLst>
+            <p:seq concurrent="1" nextAc="seek">
+              <p:cTn id="2" dur="indefinite" nodeType="mainSeq">
+                <p:childTnLst>
+                  <p:par>
+                    <p:cTn id="3" fill="hold">
+                      <p:stCondLst>
+                        <p:cond delay="indefinite"/>
+                      </p:stCondLst>
+                      <p:childTnLst>
+                        <p:par>
+                          <p:cTn id="4" fill="hold">
+                            <p:stCondLst>
+                              <p:cond delay="0"/>
+                            </p:stCondLst>
+                            <p:childTnLst>
+                              <p:par>
+                                <p:cTn id="5" presetID="1" presetClass="entr" presetSubtype="0" fill="hold" nodeType="clickEffect">
+                                  <p:stCondLst>
+                                    <p:cond delay="0"/>
+                                  </p:stCondLst>
+                                  <p:childTnLst>
+                                    <p:set>
+                                      <p:cBhvr>
+                                        <p:cTn id="6" dur="1" fill="hold">
+                                          <p:stCondLst>
+                                            <p:cond delay="0"/>
+                                          </p:stCondLst>
+                                        </p:cTn>
+                                        <p:tgtEl>
+                                          <p:spTgt spid="5"/>
+                                        </p:tgtEl>
+                                        <p:attrNameLst>
+                                          <p:attrName>style.visibility</p:attrName>
+                                        </p:attrNameLst>
+                                      </p:cBhvr>
+                                      <p:to>
+                                        <p:strVal val="visible"/>
+                                      </p:to>
+                                    </p:set>
+                                  </p:childTnLst>
+                                </p:cTn>
+                              </p:par>
+                            </p:childTnLst>
+                          </p:cTn>
+                        </p:par>
+                      </p:childTnLst>
+                    </p:cTn>
+                  </p:par>
+                </p:childTnLst>
+              </p:cTn>
+              <p:prevCondLst>
+                <p:cond evt="onPrev" delay="0">
+                  <p:tgtEl>
+                    <p:sldTgt/>
+                  </p:tgtEl>
+                </p:cond>
+              </p:prevCondLst>
+              <p:nextCondLst>
+                <p:cond evt="onNext" delay="0">
+                  <p:tgtEl>
+                    <p:sldTgt/>
+                  </p:tgtEl>
+                </p:cond>
+              </p:nextCondLst>
+            </p:seq>
+          </p:childTnLst>
+        </p:cTn>
+      </p:par>
+    </p:tnLst>
+  </p:timing>
+</p:sld>
+</file>
+
+<file path=ppt/slides/slide6.xml><?xml version="1.0" encoding="utf-8"?>
+<p:sld xmlns:a="http://schemas.openxmlformats.org/drawingml/2006/main" xmlns:r="http://schemas.openxmlformats.org/officeDocument/2006/relationships" xmlns:p="http://schemas.openxmlformats.org/presentationml/2006/main">
+  <p:cSld>
+    <p:spTree>
+      <p:nvGrpSpPr>
+        <p:cNvPr id="1" name=""/>
+        <p:cNvGrpSpPr/>
+        <p:nvPr/>
+      </p:nvGrpSpPr>
+      <p:grpSpPr>
+        <a:xfrm>
+          <a:off x="0" y="0"/>
+          <a:ext cx="0" cy="0"/>
+          <a:chOff x="0" y="0"/>
+          <a:chExt cx="0" cy="0"/>
+        </a:xfrm>
+      </p:grpSpPr>
+      <p:sp>
+        <p:nvSpPr>
+          <p:cNvPr id="2" name="Title 1"/>
+          <p:cNvSpPr>
+            <a:spLocks noGrp="1"/>
+          </p:cNvSpPr>
+          <p:nvPr>
+            <p:ph type="title"/>
+          </p:nvPr>
+        </p:nvSpPr>
+        <p:spPr/>
+        <p:txBody>
+          <a:bodyPr/>
+          <a:lstStyle/>
+          <a:p>
+            <a:endParaRPr lang="en-US"/>
+          </a:p>
+        </p:txBody>
+      </p:sp>
+      <p:pic>
+        <p:nvPicPr>
+          <p:cNvPr id="4" name="Picture 3"/>
+          <p:cNvPicPr>
+            <a:picLocks noChangeAspect="1"/>
+          </p:cNvPicPr>
+          <p:nvPr/>
+        </p:nvPicPr>
+        <p:blipFill>
+          <a:blip r:embed="rId2"/>
+          <a:stretch>
+            <a:fillRect/>
+          </a:stretch>
+        </p:blipFill>
+        <p:spPr>
+          <a:xfrm>
+            <a:off x="635722" y="1295400"/>
+            <a:ext cx="8508277" cy="4589244"/>
+          </a:xfrm>
+          <a:prstGeom prst="rect">
+            <a:avLst/>
+          </a:prstGeom>
+        </p:spPr>
+      </p:pic>
+    </p:spTree>
+    <p:extLst>
+      <p:ext uri="{BB962C8B-B14F-4D97-AF65-F5344CB8AC3E}">
+        <p14:creationId xmlns:p14="http://schemas.microsoft.com/office/powerpoint/2010/main" val="1621829861"/>
+      </p:ext>
+    </p:extLst>
+  </p:cSld>
+  <p:clrMapOvr>
+    <a:masterClrMapping/>
+  </p:clrMapOvr>
+  <p:transition xmlns:p14="http://schemas.microsoft.com/office/powerpoint/2010/main" spd="slow">
+    <p:wipe dir="d"/>
+  </p:transition>
+  <p:timing>
+    <p:tnLst>
+      <p:par>
+        <p:cTn xmlns:p14="http://schemas.microsoft.com/office/powerpoint/2010/main" id="1" dur="indefinite" restart="never" nodeType="tmRoot"/>
+      </p:par>
+    </p:tnLst>
+  </p:timing>
+</p:sld>
+</file>
+
+<file path=ppt/slides/slide7.xml><?xml version="1.0" encoding="utf-8"?>
+<p:sld xmlns:a="http://schemas.openxmlformats.org/drawingml/2006/main" xmlns:r="http://schemas.openxmlformats.org/officeDocument/2006/relationships" xmlns:p="http://schemas.openxmlformats.org/presentationml/2006/main">
+  <p:cSld>
+    <p:spTree>
+      <p:nvGrpSpPr>
+        <p:cNvPr id="1" name=""/>
+        <p:cNvGrpSpPr/>
+        <p:nvPr/>
+      </p:nvGrpSpPr>
+      <p:grpSpPr>
+        <a:xfrm>
+          <a:off x="0" y="0"/>
+          <a:ext cx="0" cy="0"/>
+          <a:chOff x="0" y="0"/>
+          <a:chExt cx="0" cy="0"/>
+        </a:xfrm>
+      </p:grpSpPr>
+      <p:pic>
+        <p:nvPicPr>
+          <p:cNvPr id="4" name="Picture 3"/>
+          <p:cNvPicPr>
+            <a:picLocks noChangeAspect="1"/>
+          </p:cNvPicPr>
+          <p:nvPr/>
+        </p:nvPicPr>
+        <p:blipFill>
+          <a:blip r:embed="rId2"/>
+          <a:stretch>
+            <a:fillRect/>
+          </a:stretch>
+        </p:blipFill>
+        <p:spPr>
+          <a:xfrm>
+            <a:off x="1130300" y="1092199"/>
+            <a:ext cx="7556500" cy="5130613"/>
+          </a:xfrm>
+          <a:prstGeom prst="rect">
+            <a:avLst/>
+          </a:prstGeom>
+        </p:spPr>
+      </p:pic>
+    </p:spTree>
+    <p:extLst>
+      <p:ext uri="{BB962C8B-B14F-4D97-AF65-F5344CB8AC3E}">
+        <p14:creationId xmlns:p14="http://schemas.microsoft.com/office/powerpoint/2010/main" val="3375751299"/>
+      </p:ext>
+    </p:extLst>
+  </p:cSld>
+  <p:clrMapOvr>
+    <a:masterClrMapping/>
+  </p:clrMapOvr>
+  <p:transition xmlns:p14="http://schemas.microsoft.com/office/powerpoint/2010/main" spd="slow">
+    <p:wipe dir="d"/>
+  </p:transition>
+  <p:timing>
+    <p:tnLst>
+      <p:par>
+        <p:cTn xmlns:p14="http://schemas.microsoft.com/office/powerpoint/2010/main" id="1" dur="indefinite" restart="never" nodeType="tmRoot"/>
+      </p:par>
+    </p:tnLst>
+  </p:timing>
+</p:sld>
+</file>
+
+<file path=ppt/slides/slide8.xml><?xml version="1.0" encoding="utf-8"?>
+<p:sld xmlns:a="http://schemas.openxmlformats.org/drawingml/2006/main" xmlns:r="http://schemas.openxmlformats.org/officeDocument/2006/relationships" xmlns:p="http://schemas.openxmlformats.org/presentationml/2006/main">
+  <p:cSld>
+    <p:spTree>
+      <p:nvGrpSpPr>
+        <p:cNvPr id="1" name=""/>
+        <p:cNvGrpSpPr/>
+        <p:nvPr/>
+      </p:nvGrpSpPr>
+      <p:grpSpPr>
+        <a:xfrm>
+          <a:off x="0" y="0"/>
+          <a:ext cx="0" cy="0"/>
+          <a:chOff x="0" y="0"/>
+          <a:chExt cx="0" cy="0"/>
+        </a:xfrm>
+      </p:grpSpPr>
+      <p:sp>
+        <p:nvSpPr>
+          <p:cNvPr id="2" name="Title 1"/>
+          <p:cNvSpPr>
+            <a:spLocks noGrp="1"/>
+          </p:cNvSpPr>
+          <p:nvPr>
+            <p:ph type="title"/>
+          </p:nvPr>
+        </p:nvSpPr>
+        <p:spPr/>
+        <p:txBody>
+          <a:bodyPr/>
+          <a:lstStyle/>
+          <a:p>
+            <a:endParaRPr lang="en-US"/>
+          </a:p>
+        </p:txBody>
+      </p:sp>
+      <p:pic>
+        <p:nvPicPr>
+          <p:cNvPr id="5" name="Picture 4"/>
+          <p:cNvPicPr>
+            <a:picLocks noChangeAspect="1"/>
+          </p:cNvPicPr>
+          <p:nvPr/>
+        </p:nvPicPr>
+        <p:blipFill>
+          <a:blip r:embed="rId2"/>
+          <a:stretch>
+            <a:fillRect/>
+          </a:stretch>
+        </p:blipFill>
+        <p:spPr>
+          <a:xfrm>
+            <a:off x="649954" y="762000"/>
+            <a:ext cx="8113046" cy="5423976"/>
+          </a:xfrm>
+          <a:prstGeom prst="rect">
+            <a:avLst/>
+          </a:prstGeom>
+        </p:spPr>
+      </p:pic>
+    </p:spTree>
+    <p:extLst>
+      <p:ext uri="{BB962C8B-B14F-4D97-AF65-F5344CB8AC3E}">
+        <p14:creationId xmlns:p14="http://schemas.microsoft.com/office/powerpoint/2010/main" val="2218486659"/>
+      </p:ext>
+    </p:extLst>
+  </p:cSld>
+  <p:clrMapOvr>
+    <a:masterClrMapping/>
+  </p:clrMapOvr>
+  <p:transition xmlns:p14="http://schemas.microsoft.com/office/powerpoint/2010/main" spd="slow">
+    <p:wipe dir="d"/>
+  </p:transition>
+  <p:timing>
+    <p:tnLst>
+      <p:par>
+        <p:cTn xmlns:p14="http://schemas.microsoft.com/office/powerpoint/2010/main" id="1" dur="indefinite" restart="never" nodeType="tmRoot"/>
+      </p:par>
+    </p:tnLst>
+  </p:timing>
+</p:sld>
+</file>
+
+<file path=ppt/slides/slide9.xml><?xml version="1.0" encoding="utf-8"?>
+<p:sld xmlns:a="http://schemas.openxmlformats.org/drawingml/2006/main" xmlns:r="http://schemas.openxmlformats.org/officeDocument/2006/relationships" xmlns:p="http://schemas.openxmlformats.org/presentationml/2006/main">
+  <p:cSld>
+    <p:spTree>
+      <p:nvGrpSpPr>
+        <p:cNvPr id="1" name=""/>
+        <p:cNvGrpSpPr/>
+        <p:nvPr/>
+      </p:nvGrpSpPr>
+      <p:grpSpPr>
+        <a:xfrm>
+          <a:off x="0" y="0"/>
+          <a:ext cx="0" cy="0"/>
+          <a:chOff x="0" y="0"/>
+          <a:chExt cx="0" cy="0"/>
+        </a:xfrm>
+      </p:grpSpPr>
+      <p:sp>
+        <p:nvSpPr>
+          <p:cNvPr id="2" name="Title 1"/>
+          <p:cNvSpPr>
+            <a:spLocks noGrp="1"/>
+          </p:cNvSpPr>
+          <p:nvPr>
+            <p:ph type="title"/>
+          </p:nvPr>
+        </p:nvSpPr>
+        <p:spPr/>
+        <p:txBody>
+          <a:bodyPr/>
+          <a:lstStyle/>
+          <a:p>
+            <a:endParaRPr lang="en-US"/>
+          </a:p>
+        </p:txBody>
+      </p:sp>
+      <p:pic>
+        <p:nvPicPr>
+          <p:cNvPr id="4" name="Picture 3"/>
+          <p:cNvPicPr>
+            <a:picLocks noChangeAspect="1"/>
+          </p:cNvPicPr>
+          <p:nvPr/>
+        </p:nvPicPr>
+        <p:blipFill>
+          <a:blip r:embed="rId2"/>
+          <a:stretch>
+            <a:fillRect/>
+          </a:stretch>
+        </p:blipFill>
+        <p:spPr>
+          <a:xfrm>
+            <a:off x="625566" y="1371600"/>
+            <a:ext cx="8594634" cy="4371115"/>
+          </a:xfrm>
+          <a:prstGeom prst="rect">
+            <a:avLst/>
+          </a:prstGeom>
+        </p:spPr>
+      </p:pic>
+    </p:spTree>
+    <p:extLst>
+      <p:ext uri="{BB962C8B-B14F-4D97-AF65-F5344CB8AC3E}">
+        <p14:creationId xmlns:p14="http://schemas.microsoft.com/office/powerpoint/2010/main" val="283872482"/>
+      </p:ext>
+    </p:extLst>
+  </p:cSld>
+  <p:clrMapOvr>
+    <a:masterClrMapping/>
+  </p:clrMapOvr>
+  <p:transition xmlns:p14="http://schemas.microsoft.com/office/powerpoint/2010/main" spd="slow">
+    <p:wipe dir="d"/>
+  </p:transition>
+  <p:timing>
+    <p:tnLst>
+      <p:par>
+        <p:cTn xmlns:p14="http://schemas.microsoft.com/office/powerpoint/2010/main" id="1" dur="indefinite" restart="never" nodeType="tmRoot"/>
+      </p:par>
+    </p:tnLst>
+  </p:timing>
 </p:sld>
 </file>
 

--- a/Documents/20-Knowledge.pptx
+++ b/Documents/20-Knowledge.pptx
@@ -5,10 +5,10 @@
     <p:sldMasterId id="2147483648" r:id="rId1"/>
   </p:sldMasterIdLst>
   <p:notesMasterIdLst>
-    <p:notesMasterId r:id="rId20"/>
+    <p:notesMasterId r:id="rId19"/>
   </p:notesMasterIdLst>
   <p:handoutMasterIdLst>
-    <p:handoutMasterId r:id="rId21"/>
+    <p:handoutMasterId r:id="rId20"/>
   </p:handoutMasterIdLst>
   <p:sldIdLst>
     <p:sldId id="278" r:id="rId2"/>
@@ -22,13 +22,12 @@
     <p:sldId id="286" r:id="rId10"/>
     <p:sldId id="287" r:id="rId11"/>
     <p:sldId id="288" r:id="rId12"/>
-    <p:sldId id="289" r:id="rId13"/>
-    <p:sldId id="290" r:id="rId14"/>
-    <p:sldId id="291" r:id="rId15"/>
-    <p:sldId id="292" r:id="rId16"/>
-    <p:sldId id="293" r:id="rId17"/>
-    <p:sldId id="294" r:id="rId18"/>
-    <p:sldId id="295" r:id="rId19"/>
+    <p:sldId id="290" r:id="rId13"/>
+    <p:sldId id="291" r:id="rId14"/>
+    <p:sldId id="292" r:id="rId15"/>
+    <p:sldId id="293" r:id="rId16"/>
+    <p:sldId id="294" r:id="rId17"/>
+    <p:sldId id="295" r:id="rId18"/>
   </p:sldIdLst>
   <p:sldSz cx="9144000" cy="6858000" type="screen4x3"/>
   <p:notesSz cx="6858000" cy="9144000"/>
@@ -4415,7 +4414,7 @@
         <p:spPr/>
         <p:txBody>
           <a:bodyPr>
-            <a:normAutofit lnSpcReduction="10000"/>
+            <a:normAutofit/>
           </a:bodyPr>
           <a:lstStyle/>
           <a:p>
@@ -4424,7 +4423,15 @@
             </a:pPr>
             <a:r>
               <a:rPr lang="en-US" dirty="0"/>
-              <a:t>Take the below question for example, try to infer what day it is:</a:t>
+              <a:t>Take the </a:t>
+            </a:r>
+            <a:r>
+              <a:rPr lang="en-US" dirty="0" smtClean="0"/>
+              <a:t>facts below, and </a:t>
+            </a:r>
+            <a:r>
+              <a:rPr lang="en-US" dirty="0"/>
+              <a:t>try to infer what day it is:</a:t>
             </a:r>
           </a:p>
           <a:p>
@@ -4465,7 +4472,6 @@
               <a:rPr lang="en-US" dirty="0"/>
               <a:t>I am not sad</a:t>
             </a:r>
-            <a:endParaRPr lang="en-US" dirty="0"/>
           </a:p>
         </p:txBody>
       </p:sp>
@@ -4712,89 +4718,6 @@
         </p:blipFill>
         <p:spPr>
           <a:xfrm>
-            <a:off x="825500" y="901700"/>
-            <a:ext cx="7937500" cy="5350064"/>
-          </a:xfrm>
-          <a:prstGeom prst="rect">
-            <a:avLst/>
-          </a:prstGeom>
-        </p:spPr>
-      </p:pic>
-    </p:spTree>
-    <p:extLst>
-      <p:ext uri="{BB962C8B-B14F-4D97-AF65-F5344CB8AC3E}">
-        <p14:creationId xmlns:p14="http://schemas.microsoft.com/office/powerpoint/2010/main" val="1010806169"/>
-      </p:ext>
-    </p:extLst>
-  </p:cSld>
-  <p:clrMapOvr>
-    <a:masterClrMapping/>
-  </p:clrMapOvr>
-  <p:transition xmlns:p14="http://schemas.microsoft.com/office/powerpoint/2010/main" spd="slow">
-    <p:wipe dir="d"/>
-  </p:transition>
-  <p:timing>
-    <p:tnLst>
-      <p:par>
-        <p:cTn xmlns:p14="http://schemas.microsoft.com/office/powerpoint/2010/main" id="1" dur="indefinite" restart="never" nodeType="tmRoot"/>
-      </p:par>
-    </p:tnLst>
-  </p:timing>
-</p:sld>
-</file>
-
-<file path=ppt/slides/slide13.xml><?xml version="1.0" encoding="utf-8"?>
-<p:sld xmlns:a="http://schemas.openxmlformats.org/drawingml/2006/main" xmlns:r="http://schemas.openxmlformats.org/officeDocument/2006/relationships" xmlns:p="http://schemas.openxmlformats.org/presentationml/2006/main">
-  <p:cSld>
-    <p:spTree>
-      <p:nvGrpSpPr>
-        <p:cNvPr id="1" name=""/>
-        <p:cNvGrpSpPr/>
-        <p:nvPr/>
-      </p:nvGrpSpPr>
-      <p:grpSpPr>
-        <a:xfrm>
-          <a:off x="0" y="0"/>
-          <a:ext cx="0" cy="0"/>
-          <a:chOff x="0" y="0"/>
-          <a:chExt cx="0" cy="0"/>
-        </a:xfrm>
-      </p:grpSpPr>
-      <p:sp>
-        <p:nvSpPr>
-          <p:cNvPr id="2" name="Title 1"/>
-          <p:cNvSpPr>
-            <a:spLocks noGrp="1"/>
-          </p:cNvSpPr>
-          <p:nvPr>
-            <p:ph type="title"/>
-          </p:nvPr>
-        </p:nvSpPr>
-        <p:spPr/>
-        <p:txBody>
-          <a:bodyPr/>
-          <a:lstStyle/>
-          <a:p>
-            <a:endParaRPr lang="en-US"/>
-          </a:p>
-        </p:txBody>
-      </p:sp>
-      <p:pic>
-        <p:nvPicPr>
-          <p:cNvPr id="4" name="Picture 3"/>
-          <p:cNvPicPr>
-            <a:picLocks noChangeAspect="1"/>
-          </p:cNvPicPr>
-          <p:nvPr/>
-        </p:nvPicPr>
-        <p:blipFill>
-          <a:blip r:embed="rId2"/>
-          <a:stretch>
-            <a:fillRect/>
-          </a:stretch>
-        </p:blipFill>
-        <p:spPr>
-          <a:xfrm>
             <a:off x="698500" y="787400"/>
             <a:ext cx="7734300" cy="5270500"/>
           </a:xfrm>
@@ -4826,7 +4749,7 @@
 </p:sld>
 </file>
 
-<file path=ppt/slides/slide14.xml><?xml version="1.0" encoding="utf-8"?>
+<file path=ppt/slides/slide13.xml><?xml version="1.0" encoding="utf-8"?>
 <p:sld xmlns:a="http://schemas.openxmlformats.org/drawingml/2006/main" xmlns:r="http://schemas.openxmlformats.org/officeDocument/2006/relationships" xmlns:p="http://schemas.openxmlformats.org/presentationml/2006/main">
   <p:cSld>
     <p:spTree>
@@ -4909,7 +4832,7 @@
 </p:sld>
 </file>
 
-<file path=ppt/slides/slide15.xml><?xml version="1.0" encoding="utf-8"?>
+<file path=ppt/slides/slide14.xml><?xml version="1.0" encoding="utf-8"?>
 <p:sld xmlns:a="http://schemas.openxmlformats.org/drawingml/2006/main" xmlns:r="http://schemas.openxmlformats.org/officeDocument/2006/relationships" xmlns:p="http://schemas.openxmlformats.org/presentationml/2006/main">
   <p:cSld>
     <p:spTree>
@@ -4992,7 +4915,7 @@
 </p:sld>
 </file>
 
-<file path=ppt/slides/slide16.xml><?xml version="1.0" encoding="utf-8"?>
+<file path=ppt/slides/slide15.xml><?xml version="1.0" encoding="utf-8"?>
 <p:sld xmlns:a="http://schemas.openxmlformats.org/drawingml/2006/main" xmlns:r="http://schemas.openxmlformats.org/officeDocument/2006/relationships" xmlns:p="http://schemas.openxmlformats.org/presentationml/2006/main">
   <p:cSld>
     <p:spTree>
@@ -5075,7 +4998,7 @@
 </p:sld>
 </file>
 
-<file path=ppt/slides/slide17.xml><?xml version="1.0" encoding="utf-8"?>
+<file path=ppt/slides/slide16.xml><?xml version="1.0" encoding="utf-8"?>
 <p:sld xmlns:a="http://schemas.openxmlformats.org/drawingml/2006/main" xmlns:r="http://schemas.openxmlformats.org/officeDocument/2006/relationships" xmlns:p="http://schemas.openxmlformats.org/presentationml/2006/main">
   <p:cSld>
     <p:spTree>
@@ -5158,7 +5081,7 @@
 </p:sld>
 </file>
 
-<file path=ppt/slides/slide18.xml><?xml version="1.0" encoding="utf-8"?>
+<file path=ppt/slides/slide17.xml><?xml version="1.0" encoding="utf-8"?>
 <p:sld xmlns:a="http://schemas.openxmlformats.org/drawingml/2006/main" xmlns:r="http://schemas.openxmlformats.org/officeDocument/2006/relationships" xmlns:p="http://schemas.openxmlformats.org/presentationml/2006/main">
   <p:cSld>
     <p:spTree>
@@ -5226,8 +5149,8 @@
               <a:t>The state could be discrete or </a:t>
             </a:r>
             <a:r>
-              <a:rPr lang="en-US" dirty="0" err="1" smtClean="0"/>
-              <a:t>continious</a:t>
+              <a:rPr lang="en-US" dirty="0" smtClean="0"/>
+              <a:t>continuous</a:t>
             </a:r>
             <a:endParaRPr lang="en-US" dirty="0" smtClean="0"/>
           </a:p>
@@ -5240,7 +5163,15 @@
           <a:p>
             <a:r>
               <a:rPr lang="en-US" dirty="0" smtClean="0"/>
-              <a:t>Because many problems have thousands of paths, even the fastest computers requiring path pruning</a:t>
+              <a:t>Because many problems have thousands of paths, even the fastest computers </a:t>
+            </a:r>
+            <a:r>
+              <a:rPr lang="en-US" dirty="0" smtClean="0"/>
+              <a:t>require </a:t>
+            </a:r>
+            <a:r>
+              <a:rPr lang="en-US" dirty="0" smtClean="0"/>
+              <a:t>path pruning</a:t>
             </a:r>
           </a:p>
           <a:p>
@@ -5361,7 +5292,6 @@
               <a:rPr lang="en-US" dirty="0"/>
               <a:t>This is where KR&amp;R comes in</a:t>
             </a:r>
-            <a:endParaRPr lang="en-US" dirty="0"/>
           </a:p>
         </p:txBody>
       </p:sp>
@@ -5378,6 +5308,13 @@
   <p:transition xmlns:p14="http://schemas.microsoft.com/office/powerpoint/2010/main" spd="slow">
     <p:wipe dir="d"/>
   </p:transition>
+  <p:timing>
+    <p:tnLst>
+      <p:par>
+        <p:cTn xmlns:p14="http://schemas.microsoft.com/office/powerpoint/2010/main" id="1" dur="indefinite" restart="never" nodeType="tmRoot"/>
+      </p:par>
+    </p:tnLst>
+  </p:timing>
 </p:sld>
 </file>
 
